--- a/Presentation.pptx
+++ b/Presentation.pptx
@@ -5,9 +5,7 @@
     <p:sldMasterId id="2147483648" r:id="rId1"/>
   </p:sldMasterIdLst>
   <p:sldIdLst>
-    <p:sldId id="256" r:id="rId2"/>
-    <p:sldId id="257" r:id="rId3"/>
-    <p:sldId id="258" r:id="rId4"/>
+    <p:sldId id="257" r:id="rId2"/>
   </p:sldIdLst>
   <p:sldSz cx="12192000" cy="6858000"/>
   <p:notesSz cx="6858000" cy="9144000"/>
@@ -245,7 +243,7 @@
           <a:p>
             <a:fld id="{5AF36F68-8E0B-4E98-B2EA-6A52B6874673}" type="datetimeFigureOut">
               <a:rPr lang="en-US" smtClean="0"/>
-              <a:t>3/25/2015</a:t>
+              <a:t>3/30/2015</a:t>
             </a:fld>
             <a:endParaRPr lang="en-US"/>
           </a:p>
@@ -415,7 +413,7 @@
           <a:p>
             <a:fld id="{5AF36F68-8E0B-4E98-B2EA-6A52B6874673}" type="datetimeFigureOut">
               <a:rPr lang="en-US" smtClean="0"/>
-              <a:t>3/25/2015</a:t>
+              <a:t>3/30/2015</a:t>
             </a:fld>
             <a:endParaRPr lang="en-US"/>
           </a:p>
@@ -595,7 +593,7 @@
           <a:p>
             <a:fld id="{5AF36F68-8E0B-4E98-B2EA-6A52B6874673}" type="datetimeFigureOut">
               <a:rPr lang="en-US" smtClean="0"/>
-              <a:t>3/25/2015</a:t>
+              <a:t>3/30/2015</a:t>
             </a:fld>
             <a:endParaRPr lang="en-US"/>
           </a:p>
@@ -765,7 +763,7 @@
           <a:p>
             <a:fld id="{5AF36F68-8E0B-4E98-B2EA-6A52B6874673}" type="datetimeFigureOut">
               <a:rPr lang="en-US" smtClean="0"/>
-              <a:t>3/25/2015</a:t>
+              <a:t>3/30/2015</a:t>
             </a:fld>
             <a:endParaRPr lang="en-US"/>
           </a:p>
@@ -1011,7 +1009,7 @@
           <a:p>
             <a:fld id="{5AF36F68-8E0B-4E98-B2EA-6A52B6874673}" type="datetimeFigureOut">
               <a:rPr lang="en-US" smtClean="0"/>
-              <a:t>3/25/2015</a:t>
+              <a:t>3/30/2015</a:t>
             </a:fld>
             <a:endParaRPr lang="en-US"/>
           </a:p>
@@ -1243,7 +1241,7 @@
           <a:p>
             <a:fld id="{5AF36F68-8E0B-4E98-B2EA-6A52B6874673}" type="datetimeFigureOut">
               <a:rPr lang="en-US" smtClean="0"/>
-              <a:t>3/25/2015</a:t>
+              <a:t>3/30/2015</a:t>
             </a:fld>
             <a:endParaRPr lang="en-US"/>
           </a:p>
@@ -1610,7 +1608,7 @@
           <a:p>
             <a:fld id="{5AF36F68-8E0B-4E98-B2EA-6A52B6874673}" type="datetimeFigureOut">
               <a:rPr lang="en-US" smtClean="0"/>
-              <a:t>3/25/2015</a:t>
+              <a:t>3/30/2015</a:t>
             </a:fld>
             <a:endParaRPr lang="en-US"/>
           </a:p>
@@ -1728,7 +1726,7 @@
           <a:p>
             <a:fld id="{5AF36F68-8E0B-4E98-B2EA-6A52B6874673}" type="datetimeFigureOut">
               <a:rPr lang="en-US" smtClean="0"/>
-              <a:t>3/25/2015</a:t>
+              <a:t>3/30/2015</a:t>
             </a:fld>
             <a:endParaRPr lang="en-US"/>
           </a:p>
@@ -1823,7 +1821,7 @@
           <a:p>
             <a:fld id="{5AF36F68-8E0B-4E98-B2EA-6A52B6874673}" type="datetimeFigureOut">
               <a:rPr lang="en-US" smtClean="0"/>
-              <a:t>3/25/2015</a:t>
+              <a:t>3/30/2015</a:t>
             </a:fld>
             <a:endParaRPr lang="en-US"/>
           </a:p>
@@ -2100,7 +2098,7 @@
           <a:p>
             <a:fld id="{5AF36F68-8E0B-4E98-B2EA-6A52B6874673}" type="datetimeFigureOut">
               <a:rPr lang="en-US" smtClean="0"/>
-              <a:t>3/25/2015</a:t>
+              <a:t>3/30/2015</a:t>
             </a:fld>
             <a:endParaRPr lang="en-US"/>
           </a:p>
@@ -2353,7 +2351,7 @@
           <a:p>
             <a:fld id="{5AF36F68-8E0B-4E98-B2EA-6A52B6874673}" type="datetimeFigureOut">
               <a:rPr lang="en-US" smtClean="0"/>
-              <a:t>3/25/2015</a:t>
+              <a:t>3/30/2015</a:t>
             </a:fld>
             <a:endParaRPr lang="en-US"/>
           </a:p>
@@ -2566,7 +2564,7 @@
           <a:p>
             <a:fld id="{5AF36F68-8E0B-4E98-B2EA-6A52B6874673}" type="datetimeFigureOut">
               <a:rPr lang="en-US" smtClean="0"/>
-              <a:t>3/25/2015</a:t>
+              <a:t>3/30/2015</a:t>
             </a:fld>
             <a:endParaRPr lang="en-US"/>
           </a:p>
@@ -2978,81 +2976,6 @@
             <a:spLocks noGrp="1"/>
           </p:cNvSpPr>
           <p:nvPr>
-            <p:ph type="ctrTitle"/>
-          </p:nvPr>
-        </p:nvSpPr>
-        <p:spPr/>
-        <p:txBody>
-          <a:bodyPr/>
-          <a:lstStyle/>
-          <a:p>
-            <a:endParaRPr lang="en-US" dirty="0"/>
-          </a:p>
-        </p:txBody>
-      </p:sp>
-      <p:sp>
-        <p:nvSpPr>
-          <p:cNvPr id="3" name="Subtitle 2"/>
-          <p:cNvSpPr>
-            <a:spLocks noGrp="1"/>
-          </p:cNvSpPr>
-          <p:nvPr>
-            <p:ph type="subTitle" idx="1"/>
-          </p:nvPr>
-        </p:nvSpPr>
-        <p:spPr/>
-        <p:txBody>
-          <a:bodyPr/>
-          <a:lstStyle/>
-          <a:p>
-            <a:endParaRPr lang="en-US"/>
-          </a:p>
-        </p:txBody>
-      </p:sp>
-    </p:spTree>
-    <p:extLst>
-      <p:ext uri="{BB962C8B-B14F-4D97-AF65-F5344CB8AC3E}">
-        <p14:creationId xmlns:p14="http://schemas.microsoft.com/office/powerpoint/2010/main" val="1046996974"/>
-      </p:ext>
-    </p:extLst>
-  </p:cSld>
-  <p:clrMapOvr>
-    <a:masterClrMapping/>
-  </p:clrMapOvr>
-  <p:timing>
-    <p:tnLst>
-      <p:par>
-        <p:cTn id="1" dur="indefinite" restart="never" nodeType="tmRoot"/>
-      </p:par>
-    </p:tnLst>
-  </p:timing>
-</p:sld>
-</file>
-
-<file path=ppt/slides/slide2.xml><?xml version="1.0" encoding="utf-8"?>
-<p:sld xmlns:a="http://schemas.openxmlformats.org/drawingml/2006/main" xmlns:r="http://schemas.openxmlformats.org/officeDocument/2006/relationships" xmlns:p="http://schemas.openxmlformats.org/presentationml/2006/main">
-  <p:cSld>
-    <p:spTree>
-      <p:nvGrpSpPr>
-        <p:cNvPr id="1" name=""/>
-        <p:cNvGrpSpPr/>
-        <p:nvPr/>
-      </p:nvGrpSpPr>
-      <p:grpSpPr>
-        <a:xfrm>
-          <a:off x="0" y="0"/>
-          <a:ext cx="0" cy="0"/>
-          <a:chOff x="0" y="0"/>
-          <a:chExt cx="0" cy="0"/>
-        </a:xfrm>
-      </p:grpSpPr>
-      <p:sp>
-        <p:nvSpPr>
-          <p:cNvPr id="2" name="Title 1"/>
-          <p:cNvSpPr>
-            <a:spLocks noGrp="1"/>
-          </p:cNvSpPr>
-          <p:nvPr>
             <p:ph type="title"/>
           </p:nvPr>
         </p:nvSpPr>
@@ -3061,17 +2984,17 @@
           <a:bodyPr/>
           <a:lstStyle/>
           <a:p>
-            <a:r>
-              <a:rPr lang="en-US" dirty="0" smtClean="0"/>
-              <a:t>Problems With other </a:t>
-            </a:r>
             <a:r>
               <a:rPr lang="en-US" dirty="0" err="1" smtClean="0"/>
               <a:t>ChipSeq</a:t>
             </a:r>
             <a:r>
               <a:rPr lang="en-US" dirty="0" smtClean="0"/>
-              <a:t> calling programs</a:t>
+              <a:t> </a:t>
+            </a:r>
+            <a:r>
+              <a:rPr lang="en-US" dirty="0" smtClean="0"/>
+              <a:t>calling programs</a:t>
             </a:r>
             <a:endParaRPr lang="en-US" dirty="0"/>
           </a:p>
@@ -3096,11 +3019,7 @@
           <a:p>
             <a:r>
               <a:rPr lang="en-US" dirty="0" smtClean="0"/>
-              <a:t>SISSR: only get </a:t>
-            </a:r>
-            <a:r>
-              <a:rPr lang="en-US" dirty="0" smtClean="0"/>
-              <a:t>start</a:t>
+              <a:t>SISSR: only get start</a:t>
             </a:r>
             <a:r>
               <a:rPr lang="en-US" dirty="0"/>
@@ -3108,21 +3027,8 @@
             </a:r>
             <a:r>
               <a:rPr lang="en-US" dirty="0" smtClean="0"/>
-              <a:t>position, end position</a:t>
-            </a:r>
-            <a:r>
-              <a:rPr lang="en-US" dirty="0" smtClean="0"/>
-              <a:t> </a:t>
-            </a:r>
-            <a:r>
-              <a:rPr lang="en-US" dirty="0" smtClean="0"/>
-              <a:t>and number of TAGs, no filtering method can be </a:t>
-            </a:r>
-            <a:r>
-              <a:rPr lang="en-US" dirty="0" smtClean="0"/>
-              <a:t>applied because of no score being returned.</a:t>
-            </a:r>
-            <a:endParaRPr lang="en-US" dirty="0" smtClean="0"/>
+              <a:t>position, end position and number of TAGs, no filtering method can be applied because of no score being returned.</a:t>
+            </a:r>
           </a:p>
           <a:p>
             <a:r>
@@ -3159,11 +3065,7 @@
           <a:p>
             <a:r>
               <a:rPr lang="en-US" dirty="0" smtClean="0"/>
-              <a:t>HOMER: a little less user friendly, but still very useful. The entire package is what makes it so useful, a lot of associated functions and functionality</a:t>
-            </a:r>
-            <a:r>
-              <a:rPr lang="en-US" dirty="0" smtClean="0"/>
-              <a:t>.</a:t>
+              <a:t>HOMER: a little less user friendly, but still very useful. The entire package is what makes it so useful, a lot of associated functions and functionality.</a:t>
             </a:r>
           </a:p>
           <a:p>
@@ -3194,84 +3096,6 @@
     <p:extLst>
       <p:ext uri="{BB962C8B-B14F-4D97-AF65-F5344CB8AC3E}">
         <p14:creationId xmlns:p14="http://schemas.microsoft.com/office/powerpoint/2010/main" val="2186079813"/>
-      </p:ext>
-    </p:extLst>
-  </p:cSld>
-  <p:clrMapOvr>
-    <a:masterClrMapping/>
-  </p:clrMapOvr>
-  <p:timing>
-    <p:tnLst>
-      <p:par>
-        <p:cTn id="1" dur="indefinite" restart="never" nodeType="tmRoot"/>
-      </p:par>
-    </p:tnLst>
-  </p:timing>
-</p:sld>
-</file>
-
-<file path=ppt/slides/slide3.xml><?xml version="1.0" encoding="utf-8"?>
-<p:sld xmlns:a="http://schemas.openxmlformats.org/drawingml/2006/main" xmlns:r="http://schemas.openxmlformats.org/officeDocument/2006/relationships" xmlns:p="http://schemas.openxmlformats.org/presentationml/2006/main">
-  <p:cSld>
-    <p:spTree>
-      <p:nvGrpSpPr>
-        <p:cNvPr id="1" name=""/>
-        <p:cNvGrpSpPr/>
-        <p:nvPr/>
-      </p:nvGrpSpPr>
-      <p:grpSpPr>
-        <a:xfrm>
-          <a:off x="0" y="0"/>
-          <a:ext cx="0" cy="0"/>
-          <a:chOff x="0" y="0"/>
-          <a:chExt cx="0" cy="0"/>
-        </a:xfrm>
-      </p:grpSpPr>
-      <p:sp>
-        <p:nvSpPr>
-          <p:cNvPr id="2" name="Title 1"/>
-          <p:cNvSpPr>
-            <a:spLocks noGrp="1"/>
-          </p:cNvSpPr>
-          <p:nvPr>
-            <p:ph type="title"/>
-          </p:nvPr>
-        </p:nvSpPr>
-        <p:spPr/>
-        <p:txBody>
-          <a:bodyPr/>
-          <a:lstStyle/>
-          <a:p>
-            <a:endParaRPr lang="en-US" dirty="0"/>
-          </a:p>
-        </p:txBody>
-      </p:sp>
-      <p:sp>
-        <p:nvSpPr>
-          <p:cNvPr id="3" name="Content Placeholder 2"/>
-          <p:cNvSpPr>
-            <a:spLocks noGrp="1"/>
-          </p:cNvSpPr>
-          <p:nvPr>
-            <p:ph idx="1"/>
-          </p:nvPr>
-        </p:nvSpPr>
-        <p:spPr/>
-        <p:txBody>
-          <a:bodyPr/>
-          <a:lstStyle/>
-          <a:p>
-            <a:pPr marL="0" indent="0">
-              <a:buNone/>
-            </a:pPr>
-            <a:endParaRPr lang="en-US" dirty="0"/>
-          </a:p>
-        </p:txBody>
-      </p:sp>
-    </p:spTree>
-    <p:extLst>
-      <p:ext uri="{BB962C8B-B14F-4D97-AF65-F5344CB8AC3E}">
-        <p14:creationId xmlns:p14="http://schemas.microsoft.com/office/powerpoint/2010/main" val="1830665418"/>
       </p:ext>
     </p:extLst>
   </p:cSld>
